--- a/Figure4.pptx
+++ b/Figure4.pptx
@@ -2973,10 +2973,10 @@
       </p:grpSpPr>
       <p:pic>
         <p:nvPicPr>
-          <p:cNvPr id="5" name="Picture 4" descr="A picture containing text, diagram, line, plan&#10;&#10;Description automatically generated">
+          <p:cNvPr id="3" name="Picture 2" descr="A picture containing text, diagram, line, plan&#10;&#10;Description automatically generated">
             <a:extLst>
               <a:ext uri="{FF2B5EF4-FFF2-40B4-BE49-F238E27FC236}">
-                <a16:creationId xmlns:a16="http://schemas.microsoft.com/office/drawing/2014/main" id="{9B4F1926-BCD0-62A5-AD76-7D176F4905A1}"/>
+                <a16:creationId xmlns:a16="http://schemas.microsoft.com/office/drawing/2014/main" id="{9D877B78-43A3-3F29-AD61-4F507B7D74E2}"/>
               </a:ext>
             </a:extLst>
           </p:cNvPr>
@@ -2993,8 +2993,8 @@
         </p:blipFill>
         <p:spPr>
           <a:xfrm>
-            <a:off x="0" y="11112"/>
-            <a:ext cx="7725265" cy="10058400"/>
+            <a:off x="16619" y="0"/>
+            <a:ext cx="7725266" cy="10058400"/>
           </a:xfrm>
           <a:prstGeom prst="rect">
             <a:avLst/>
@@ -3243,7 +3243,7 @@
         </p:nvSpPr>
         <p:spPr>
           <a:xfrm>
-            <a:off x="29337" y="4871035"/>
+            <a:off x="29337" y="4821160"/>
             <a:ext cx="436338" cy="338554"/>
           </a:xfrm>
           <a:prstGeom prst="rect">
@@ -3281,7 +3281,7 @@
         </p:nvSpPr>
         <p:spPr>
           <a:xfrm>
-            <a:off x="2506471" y="4871035"/>
+            <a:off x="2506471" y="4821160"/>
             <a:ext cx="436338" cy="338554"/>
           </a:xfrm>
           <a:prstGeom prst="rect">
@@ -3319,7 +3319,7 @@
         </p:nvSpPr>
         <p:spPr>
           <a:xfrm>
-            <a:off x="5138715" y="4871035"/>
+            <a:off x="5138715" y="4821160"/>
             <a:ext cx="367408" cy="338554"/>
           </a:xfrm>
           <a:prstGeom prst="rect">

--- a/Figure4.pptx
+++ b/Figure4.pptx
@@ -243,7 +243,7 @@
           <a:p>
             <a:fld id="{84F06BC3-AC4E-C144-9E2A-DE6928941DE5}" type="datetimeFigureOut">
               <a:rPr lang="en-US" smtClean="0"/>
-              <a:t>5/16/23</a:t>
+              <a:t>5/22/23</a:t>
             </a:fld>
             <a:endParaRPr lang="en-US"/>
           </a:p>
@@ -413,7 +413,7 @@
           <a:p>
             <a:fld id="{84F06BC3-AC4E-C144-9E2A-DE6928941DE5}" type="datetimeFigureOut">
               <a:rPr lang="en-US" smtClean="0"/>
-              <a:t>5/16/23</a:t>
+              <a:t>5/22/23</a:t>
             </a:fld>
             <a:endParaRPr lang="en-US"/>
           </a:p>
@@ -593,7 +593,7 @@
           <a:p>
             <a:fld id="{84F06BC3-AC4E-C144-9E2A-DE6928941DE5}" type="datetimeFigureOut">
               <a:rPr lang="en-US" smtClean="0"/>
-              <a:t>5/16/23</a:t>
+              <a:t>5/22/23</a:t>
             </a:fld>
             <a:endParaRPr lang="en-US"/>
           </a:p>
@@ -763,7 +763,7 @@
           <a:p>
             <a:fld id="{84F06BC3-AC4E-C144-9E2A-DE6928941DE5}" type="datetimeFigureOut">
               <a:rPr lang="en-US" smtClean="0"/>
-              <a:t>5/16/23</a:t>
+              <a:t>5/22/23</a:t>
             </a:fld>
             <a:endParaRPr lang="en-US"/>
           </a:p>
@@ -1007,7 +1007,7 @@
           <a:p>
             <a:fld id="{84F06BC3-AC4E-C144-9E2A-DE6928941DE5}" type="datetimeFigureOut">
               <a:rPr lang="en-US" smtClean="0"/>
-              <a:t>5/16/23</a:t>
+              <a:t>5/22/23</a:t>
             </a:fld>
             <a:endParaRPr lang="en-US"/>
           </a:p>
@@ -1239,7 +1239,7 @@
           <a:p>
             <a:fld id="{84F06BC3-AC4E-C144-9E2A-DE6928941DE5}" type="datetimeFigureOut">
               <a:rPr lang="en-US" smtClean="0"/>
-              <a:t>5/16/23</a:t>
+              <a:t>5/22/23</a:t>
             </a:fld>
             <a:endParaRPr lang="en-US"/>
           </a:p>
@@ -1606,7 +1606,7 @@
           <a:p>
             <a:fld id="{84F06BC3-AC4E-C144-9E2A-DE6928941DE5}" type="datetimeFigureOut">
               <a:rPr lang="en-US" smtClean="0"/>
-              <a:t>5/16/23</a:t>
+              <a:t>5/22/23</a:t>
             </a:fld>
             <a:endParaRPr lang="en-US"/>
           </a:p>
@@ -1724,7 +1724,7 @@
           <a:p>
             <a:fld id="{84F06BC3-AC4E-C144-9E2A-DE6928941DE5}" type="datetimeFigureOut">
               <a:rPr lang="en-US" smtClean="0"/>
-              <a:t>5/16/23</a:t>
+              <a:t>5/22/23</a:t>
             </a:fld>
             <a:endParaRPr lang="en-US"/>
           </a:p>
@@ -1819,7 +1819,7 @@
           <a:p>
             <a:fld id="{84F06BC3-AC4E-C144-9E2A-DE6928941DE5}" type="datetimeFigureOut">
               <a:rPr lang="en-US" smtClean="0"/>
-              <a:t>5/16/23</a:t>
+              <a:t>5/22/23</a:t>
             </a:fld>
             <a:endParaRPr lang="en-US"/>
           </a:p>
@@ -2096,7 +2096,7 @@
           <a:p>
             <a:fld id="{84F06BC3-AC4E-C144-9E2A-DE6928941DE5}" type="datetimeFigureOut">
               <a:rPr lang="en-US" smtClean="0"/>
-              <a:t>5/16/23</a:t>
+              <a:t>5/22/23</a:t>
             </a:fld>
             <a:endParaRPr lang="en-US"/>
           </a:p>
@@ -2353,7 +2353,7 @@
           <a:p>
             <a:fld id="{84F06BC3-AC4E-C144-9E2A-DE6928941DE5}" type="datetimeFigureOut">
               <a:rPr lang="en-US" smtClean="0"/>
-              <a:t>5/16/23</a:t>
+              <a:t>5/22/23</a:t>
             </a:fld>
             <a:endParaRPr lang="en-US"/>
           </a:p>
@@ -2566,7 +2566,7 @@
           <a:p>
             <a:fld id="{84F06BC3-AC4E-C144-9E2A-DE6928941DE5}" type="datetimeFigureOut">
               <a:rPr lang="en-US" smtClean="0"/>
-              <a:t>5/16/23</a:t>
+              <a:t>5/22/23</a:t>
             </a:fld>
             <a:endParaRPr lang="en-US"/>
           </a:p>
@@ -2973,10 +2973,10 @@
       </p:grpSpPr>
       <p:pic>
         <p:nvPicPr>
-          <p:cNvPr id="3" name="Picture 2" descr="A picture containing text, diagram, line, plan&#10;&#10;Description automatically generated">
+          <p:cNvPr id="35" name="Picture 34" descr="A picture containing text, diagram, line, parallel&#10;&#10;Description automatically generated">
             <a:extLst>
               <a:ext uri="{FF2B5EF4-FFF2-40B4-BE49-F238E27FC236}">
-                <a16:creationId xmlns:a16="http://schemas.microsoft.com/office/drawing/2014/main" id="{9D877B78-43A3-3F29-AD61-4F507B7D74E2}"/>
+                <a16:creationId xmlns:a16="http://schemas.microsoft.com/office/drawing/2014/main" id="{57072126-8579-7032-0FC8-A46085C495B3}"/>
               </a:ext>
             </a:extLst>
           </p:cNvPr>
@@ -3015,7 +3015,7 @@
         </p:nvSpPr>
         <p:spPr>
           <a:xfrm>
-            <a:off x="29337" y="-70482"/>
+            <a:off x="392714" y="100081"/>
             <a:ext cx="436338" cy="338554"/>
           </a:xfrm>
           <a:prstGeom prst="rect">
@@ -3053,7 +3053,7 @@
         </p:nvSpPr>
         <p:spPr>
           <a:xfrm>
-            <a:off x="2506471" y="-70482"/>
+            <a:off x="2942809" y="100081"/>
             <a:ext cx="436338" cy="338554"/>
           </a:xfrm>
           <a:prstGeom prst="rect">
@@ -3091,7 +3091,7 @@
         </p:nvSpPr>
         <p:spPr>
           <a:xfrm>
-            <a:off x="5110662" y="-70482"/>
+            <a:off x="5492904" y="100081"/>
             <a:ext cx="436338" cy="338554"/>
           </a:xfrm>
           <a:prstGeom prst="rect">
@@ -3117,10 +3117,10 @@
       </p:sp>
       <p:sp>
         <p:nvSpPr>
-          <p:cNvPr id="19" name="TextBox 18">
+          <p:cNvPr id="17" name="TextBox 16">
             <a:extLst>
               <a:ext uri="{FF2B5EF4-FFF2-40B4-BE49-F238E27FC236}">
-                <a16:creationId xmlns:a16="http://schemas.microsoft.com/office/drawing/2014/main" id="{8CD586D7-519A-1D74-095E-B4865BEE9317}"/>
+                <a16:creationId xmlns:a16="http://schemas.microsoft.com/office/drawing/2014/main" id="{71A14481-AAFD-DB9E-BD82-E331A9A3FB6D}"/>
               </a:ext>
             </a:extLst>
           </p:cNvPr>
@@ -3129,7 +3129,7 @@
         </p:nvSpPr>
         <p:spPr>
           <a:xfrm>
-            <a:off x="29337" y="2391222"/>
+            <a:off x="392714" y="2629770"/>
             <a:ext cx="436338" cy="338554"/>
           </a:xfrm>
           <a:prstGeom prst="rect">
@@ -3155,10 +3155,10 @@
       </p:sp>
       <p:sp>
         <p:nvSpPr>
-          <p:cNvPr id="22" name="TextBox 21">
+          <p:cNvPr id="18" name="TextBox 17">
             <a:extLst>
               <a:ext uri="{FF2B5EF4-FFF2-40B4-BE49-F238E27FC236}">
-                <a16:creationId xmlns:a16="http://schemas.microsoft.com/office/drawing/2014/main" id="{979AA439-DDCB-A222-D7BB-C5D374D552EF}"/>
+                <a16:creationId xmlns:a16="http://schemas.microsoft.com/office/drawing/2014/main" id="{6B54B6BA-FA82-EE2A-1CBC-A63A0D41BD5F}"/>
               </a:ext>
             </a:extLst>
           </p:cNvPr>
@@ -3167,7 +3167,7 @@
         </p:nvSpPr>
         <p:spPr>
           <a:xfrm>
-            <a:off x="2506471" y="2391222"/>
+            <a:off x="2942809" y="2629770"/>
             <a:ext cx="436338" cy="338554"/>
           </a:xfrm>
           <a:prstGeom prst="rect">
@@ -3193,10 +3193,10 @@
       </p:sp>
       <p:sp>
         <p:nvSpPr>
-          <p:cNvPr id="28" name="TextBox 27">
+          <p:cNvPr id="20" name="TextBox 19">
             <a:extLst>
               <a:ext uri="{FF2B5EF4-FFF2-40B4-BE49-F238E27FC236}">
-                <a16:creationId xmlns:a16="http://schemas.microsoft.com/office/drawing/2014/main" id="{079FCFBE-ABC0-CB57-189F-ABA452CB9DD9}"/>
+                <a16:creationId xmlns:a16="http://schemas.microsoft.com/office/drawing/2014/main" id="{1CB024DE-4FF0-826E-6F50-6ACBB5C33859}"/>
               </a:ext>
             </a:extLst>
           </p:cNvPr>
@@ -3205,7 +3205,7 @@
         </p:nvSpPr>
         <p:spPr>
           <a:xfrm>
-            <a:off x="5138715" y="2391222"/>
+            <a:off x="5492904" y="2629770"/>
             <a:ext cx="380232" cy="338554"/>
           </a:xfrm>
           <a:prstGeom prst="rect">
@@ -3231,10 +3231,10 @@
       </p:sp>
       <p:sp>
         <p:nvSpPr>
-          <p:cNvPr id="31" name="TextBox 30">
+          <p:cNvPr id="21" name="TextBox 20">
             <a:extLst>
               <a:ext uri="{FF2B5EF4-FFF2-40B4-BE49-F238E27FC236}">
-                <a16:creationId xmlns:a16="http://schemas.microsoft.com/office/drawing/2014/main" id="{AB1D3DA0-EC8E-F4B2-2D51-818DC20742C6}"/>
+                <a16:creationId xmlns:a16="http://schemas.microsoft.com/office/drawing/2014/main" id="{937CC425-B514-73A4-C900-5B2B64E7B660}"/>
               </a:ext>
             </a:extLst>
           </p:cNvPr>
@@ -3243,7 +3243,7 @@
         </p:nvSpPr>
         <p:spPr>
           <a:xfrm>
-            <a:off x="29337" y="4821160"/>
+            <a:off x="392714" y="5098499"/>
             <a:ext cx="436338" cy="338554"/>
           </a:xfrm>
           <a:prstGeom prst="rect">
@@ -3269,10 +3269,10 @@
       </p:sp>
       <p:sp>
         <p:nvSpPr>
-          <p:cNvPr id="32" name="TextBox 31">
+          <p:cNvPr id="23" name="TextBox 22">
             <a:extLst>
               <a:ext uri="{FF2B5EF4-FFF2-40B4-BE49-F238E27FC236}">
-                <a16:creationId xmlns:a16="http://schemas.microsoft.com/office/drawing/2014/main" id="{B25188C7-3D4D-4AF4-18FC-0BE736D9776F}"/>
+                <a16:creationId xmlns:a16="http://schemas.microsoft.com/office/drawing/2014/main" id="{45CE7EF0-3248-406A-B628-0A2DE89508BC}"/>
               </a:ext>
             </a:extLst>
           </p:cNvPr>
@@ -3281,7 +3281,7 @@
         </p:nvSpPr>
         <p:spPr>
           <a:xfrm>
-            <a:off x="2506471" y="4821160"/>
+            <a:off x="2942809" y="5098499"/>
             <a:ext cx="436338" cy="338554"/>
           </a:xfrm>
           <a:prstGeom prst="rect">
@@ -3307,10 +3307,10 @@
       </p:sp>
       <p:sp>
         <p:nvSpPr>
-          <p:cNvPr id="33" name="TextBox 32">
+          <p:cNvPr id="24" name="TextBox 23">
             <a:extLst>
               <a:ext uri="{FF2B5EF4-FFF2-40B4-BE49-F238E27FC236}">
-                <a16:creationId xmlns:a16="http://schemas.microsoft.com/office/drawing/2014/main" id="{3D69AAFA-6357-37BA-E7F0-5482ED39DCF3}"/>
+                <a16:creationId xmlns:a16="http://schemas.microsoft.com/office/drawing/2014/main" id="{87D36E7B-B38C-F4D8-A3F3-C8BE1959ACDB}"/>
               </a:ext>
             </a:extLst>
           </p:cNvPr>
@@ -3319,7 +3319,7 @@
         </p:nvSpPr>
         <p:spPr>
           <a:xfrm>
-            <a:off x="5138715" y="4821160"/>
+            <a:off x="5492904" y="5098499"/>
             <a:ext cx="367408" cy="338554"/>
           </a:xfrm>
           <a:prstGeom prst="rect">
@@ -3328,7 +3328,7 @@
           <a:noFill/>
         </p:spPr>
         <p:txBody>
-          <a:bodyPr wrap="square" rtlCol="0">
+          <a:bodyPr wrap="none" rtlCol="0">
             <a:spAutoFit/>
           </a:bodyPr>
           <a:lstStyle/>
@@ -3359,10 +3359,10 @@
       </p:sp>
       <p:sp>
         <p:nvSpPr>
-          <p:cNvPr id="6" name="TextBox 5">
+          <p:cNvPr id="27" name="TextBox 26">
             <a:extLst>
               <a:ext uri="{FF2B5EF4-FFF2-40B4-BE49-F238E27FC236}">
-                <a16:creationId xmlns:a16="http://schemas.microsoft.com/office/drawing/2014/main" id="{4DBA4F81-79CF-26CC-109B-3A75F812EACB}"/>
+                <a16:creationId xmlns:a16="http://schemas.microsoft.com/office/drawing/2014/main" id="{3D3AABEA-1EEF-AE79-74D7-32E854DE6FB0}"/>
               </a:ext>
             </a:extLst>
           </p:cNvPr>
@@ -3371,7 +3371,7 @@
         </p:nvSpPr>
         <p:spPr>
           <a:xfrm>
-            <a:off x="25306" y="7350849"/>
+            <a:off x="392714" y="7610047"/>
             <a:ext cx="367408" cy="338554"/>
           </a:xfrm>
           <a:prstGeom prst="rect">
@@ -3397,10 +3397,10 @@
       </p:sp>
       <p:sp>
         <p:nvSpPr>
-          <p:cNvPr id="7" name="TextBox 6">
+          <p:cNvPr id="29" name="TextBox 28">
             <a:extLst>
               <a:ext uri="{FF2B5EF4-FFF2-40B4-BE49-F238E27FC236}">
-                <a16:creationId xmlns:a16="http://schemas.microsoft.com/office/drawing/2014/main" id="{DDFA4BAC-4B87-02EB-FC7F-176177AEEC08}"/>
+                <a16:creationId xmlns:a16="http://schemas.microsoft.com/office/drawing/2014/main" id="{5FAC7DBD-7E7C-21ED-0AE7-95CF954C36AF}"/>
               </a:ext>
             </a:extLst>
           </p:cNvPr>
@@ -3409,8 +3409,8 @@
         </p:nvSpPr>
         <p:spPr>
           <a:xfrm>
-            <a:off x="2502440" y="7350849"/>
-            <a:ext cx="436338" cy="338554"/>
+            <a:off x="2942809" y="7610047"/>
+            <a:ext cx="425116" cy="338554"/>
           </a:xfrm>
           <a:prstGeom prst="rect">
             <a:avLst/>
@@ -3435,10 +3435,10 @@
       </p:sp>
       <p:sp>
         <p:nvSpPr>
-          <p:cNvPr id="8" name="TextBox 7">
+          <p:cNvPr id="30" name="TextBox 29">
             <a:extLst>
               <a:ext uri="{FF2B5EF4-FFF2-40B4-BE49-F238E27FC236}">
-                <a16:creationId xmlns:a16="http://schemas.microsoft.com/office/drawing/2014/main" id="{C3002FF3-CFEF-2C34-7811-86514A7DF299}"/>
+                <a16:creationId xmlns:a16="http://schemas.microsoft.com/office/drawing/2014/main" id="{9A608C9F-1EA6-860C-CB4A-12187D501165}"/>
               </a:ext>
             </a:extLst>
           </p:cNvPr>
@@ -3447,7 +3447,7 @@
         </p:nvSpPr>
         <p:spPr>
           <a:xfrm>
-            <a:off x="5134684" y="7350849"/>
+            <a:off x="5492904" y="7610047"/>
             <a:ext cx="367408" cy="338554"/>
           </a:xfrm>
           <a:prstGeom prst="rect">
@@ -3456,7 +3456,7 @@
           <a:noFill/>
         </p:spPr>
         <p:txBody>
-          <a:bodyPr wrap="square" rtlCol="0">
+          <a:bodyPr wrap="none" rtlCol="0">
             <a:spAutoFit/>
           </a:bodyPr>
           <a:lstStyle/>

--- a/Figure4.pptx
+++ b/Figure4.pptx
@@ -243,7 +243,7 @@
           <a:p>
             <a:fld id="{84F06BC3-AC4E-C144-9E2A-DE6928941DE5}" type="datetimeFigureOut">
               <a:rPr lang="en-US" smtClean="0"/>
-              <a:t>5/22/23</a:t>
+              <a:t>5/23/23</a:t>
             </a:fld>
             <a:endParaRPr lang="en-US"/>
           </a:p>
@@ -413,7 +413,7 @@
           <a:p>
             <a:fld id="{84F06BC3-AC4E-C144-9E2A-DE6928941DE5}" type="datetimeFigureOut">
               <a:rPr lang="en-US" smtClean="0"/>
-              <a:t>5/22/23</a:t>
+              <a:t>5/23/23</a:t>
             </a:fld>
             <a:endParaRPr lang="en-US"/>
           </a:p>
@@ -593,7 +593,7 @@
           <a:p>
             <a:fld id="{84F06BC3-AC4E-C144-9E2A-DE6928941DE5}" type="datetimeFigureOut">
               <a:rPr lang="en-US" smtClean="0"/>
-              <a:t>5/22/23</a:t>
+              <a:t>5/23/23</a:t>
             </a:fld>
             <a:endParaRPr lang="en-US"/>
           </a:p>
@@ -763,7 +763,7 @@
           <a:p>
             <a:fld id="{84F06BC3-AC4E-C144-9E2A-DE6928941DE5}" type="datetimeFigureOut">
               <a:rPr lang="en-US" smtClean="0"/>
-              <a:t>5/22/23</a:t>
+              <a:t>5/23/23</a:t>
             </a:fld>
             <a:endParaRPr lang="en-US"/>
           </a:p>
@@ -1007,7 +1007,7 @@
           <a:p>
             <a:fld id="{84F06BC3-AC4E-C144-9E2A-DE6928941DE5}" type="datetimeFigureOut">
               <a:rPr lang="en-US" smtClean="0"/>
-              <a:t>5/22/23</a:t>
+              <a:t>5/23/23</a:t>
             </a:fld>
             <a:endParaRPr lang="en-US"/>
           </a:p>
@@ -1239,7 +1239,7 @@
           <a:p>
             <a:fld id="{84F06BC3-AC4E-C144-9E2A-DE6928941DE5}" type="datetimeFigureOut">
               <a:rPr lang="en-US" smtClean="0"/>
-              <a:t>5/22/23</a:t>
+              <a:t>5/23/23</a:t>
             </a:fld>
             <a:endParaRPr lang="en-US"/>
           </a:p>
@@ -1606,7 +1606,7 @@
           <a:p>
             <a:fld id="{84F06BC3-AC4E-C144-9E2A-DE6928941DE5}" type="datetimeFigureOut">
               <a:rPr lang="en-US" smtClean="0"/>
-              <a:t>5/22/23</a:t>
+              <a:t>5/23/23</a:t>
             </a:fld>
             <a:endParaRPr lang="en-US"/>
           </a:p>
@@ -1724,7 +1724,7 @@
           <a:p>
             <a:fld id="{84F06BC3-AC4E-C144-9E2A-DE6928941DE5}" type="datetimeFigureOut">
               <a:rPr lang="en-US" smtClean="0"/>
-              <a:t>5/22/23</a:t>
+              <a:t>5/23/23</a:t>
             </a:fld>
             <a:endParaRPr lang="en-US"/>
           </a:p>
@@ -1819,7 +1819,7 @@
           <a:p>
             <a:fld id="{84F06BC3-AC4E-C144-9E2A-DE6928941DE5}" type="datetimeFigureOut">
               <a:rPr lang="en-US" smtClean="0"/>
-              <a:t>5/22/23</a:t>
+              <a:t>5/23/23</a:t>
             </a:fld>
             <a:endParaRPr lang="en-US"/>
           </a:p>
@@ -2096,7 +2096,7 @@
           <a:p>
             <a:fld id="{84F06BC3-AC4E-C144-9E2A-DE6928941DE5}" type="datetimeFigureOut">
               <a:rPr lang="en-US" smtClean="0"/>
-              <a:t>5/22/23</a:t>
+              <a:t>5/23/23</a:t>
             </a:fld>
             <a:endParaRPr lang="en-US"/>
           </a:p>
@@ -2353,7 +2353,7 @@
           <a:p>
             <a:fld id="{84F06BC3-AC4E-C144-9E2A-DE6928941DE5}" type="datetimeFigureOut">
               <a:rPr lang="en-US" smtClean="0"/>
-              <a:t>5/22/23</a:t>
+              <a:t>5/23/23</a:t>
             </a:fld>
             <a:endParaRPr lang="en-US"/>
           </a:p>
@@ -2566,7 +2566,7 @@
           <a:p>
             <a:fld id="{84F06BC3-AC4E-C144-9E2A-DE6928941DE5}" type="datetimeFigureOut">
               <a:rPr lang="en-US" smtClean="0"/>
-              <a:t>5/22/23</a:t>
+              <a:t>5/23/23</a:t>
             </a:fld>
             <a:endParaRPr lang="en-US"/>
           </a:p>
@@ -2973,10 +2973,10 @@
       </p:grpSpPr>
       <p:pic>
         <p:nvPicPr>
-          <p:cNvPr id="35" name="Picture 34" descr="A picture containing text, diagram, line, parallel&#10;&#10;Description automatically generated">
+          <p:cNvPr id="7" name="Picture 6" descr="A picture containing text, diagram, plan, line&#10;&#10;Description automatically generated">
             <a:extLst>
               <a:ext uri="{FF2B5EF4-FFF2-40B4-BE49-F238E27FC236}">
-                <a16:creationId xmlns:a16="http://schemas.microsoft.com/office/drawing/2014/main" id="{57072126-8579-7032-0FC8-A46085C495B3}"/>
+                <a16:creationId xmlns:a16="http://schemas.microsoft.com/office/drawing/2014/main" id="{8EBD88D1-AE7B-1828-CAB0-DD3638F980BE}"/>
               </a:ext>
             </a:extLst>
           </p:cNvPr>

--- a/Figure4.pptx
+++ b/Figure4.pptx
@@ -243,7 +243,7 @@
           <a:p>
             <a:fld id="{84F06BC3-AC4E-C144-9E2A-DE6928941DE5}" type="datetimeFigureOut">
               <a:rPr lang="en-US" smtClean="0"/>
-              <a:t>5/23/23</a:t>
+              <a:t>11/1/23</a:t>
             </a:fld>
             <a:endParaRPr lang="en-US"/>
           </a:p>
@@ -413,7 +413,7 @@
           <a:p>
             <a:fld id="{84F06BC3-AC4E-C144-9E2A-DE6928941DE5}" type="datetimeFigureOut">
               <a:rPr lang="en-US" smtClean="0"/>
-              <a:t>5/23/23</a:t>
+              <a:t>11/1/23</a:t>
             </a:fld>
             <a:endParaRPr lang="en-US"/>
           </a:p>
@@ -593,7 +593,7 @@
           <a:p>
             <a:fld id="{84F06BC3-AC4E-C144-9E2A-DE6928941DE5}" type="datetimeFigureOut">
               <a:rPr lang="en-US" smtClean="0"/>
-              <a:t>5/23/23</a:t>
+              <a:t>11/1/23</a:t>
             </a:fld>
             <a:endParaRPr lang="en-US"/>
           </a:p>
@@ -763,7 +763,7 @@
           <a:p>
             <a:fld id="{84F06BC3-AC4E-C144-9E2A-DE6928941DE5}" type="datetimeFigureOut">
               <a:rPr lang="en-US" smtClean="0"/>
-              <a:t>5/23/23</a:t>
+              <a:t>11/1/23</a:t>
             </a:fld>
             <a:endParaRPr lang="en-US"/>
           </a:p>
@@ -1007,7 +1007,7 @@
           <a:p>
             <a:fld id="{84F06BC3-AC4E-C144-9E2A-DE6928941DE5}" type="datetimeFigureOut">
               <a:rPr lang="en-US" smtClean="0"/>
-              <a:t>5/23/23</a:t>
+              <a:t>11/1/23</a:t>
             </a:fld>
             <a:endParaRPr lang="en-US"/>
           </a:p>
@@ -1239,7 +1239,7 @@
           <a:p>
             <a:fld id="{84F06BC3-AC4E-C144-9E2A-DE6928941DE5}" type="datetimeFigureOut">
               <a:rPr lang="en-US" smtClean="0"/>
-              <a:t>5/23/23</a:t>
+              <a:t>11/1/23</a:t>
             </a:fld>
             <a:endParaRPr lang="en-US"/>
           </a:p>
@@ -1606,7 +1606,7 @@
           <a:p>
             <a:fld id="{84F06BC3-AC4E-C144-9E2A-DE6928941DE5}" type="datetimeFigureOut">
               <a:rPr lang="en-US" smtClean="0"/>
-              <a:t>5/23/23</a:t>
+              <a:t>11/1/23</a:t>
             </a:fld>
             <a:endParaRPr lang="en-US"/>
           </a:p>
@@ -1724,7 +1724,7 @@
           <a:p>
             <a:fld id="{84F06BC3-AC4E-C144-9E2A-DE6928941DE5}" type="datetimeFigureOut">
               <a:rPr lang="en-US" smtClean="0"/>
-              <a:t>5/23/23</a:t>
+              <a:t>11/1/23</a:t>
             </a:fld>
             <a:endParaRPr lang="en-US"/>
           </a:p>
@@ -1819,7 +1819,7 @@
           <a:p>
             <a:fld id="{84F06BC3-AC4E-C144-9E2A-DE6928941DE5}" type="datetimeFigureOut">
               <a:rPr lang="en-US" smtClean="0"/>
-              <a:t>5/23/23</a:t>
+              <a:t>11/1/23</a:t>
             </a:fld>
             <a:endParaRPr lang="en-US"/>
           </a:p>
@@ -2096,7 +2096,7 @@
           <a:p>
             <a:fld id="{84F06BC3-AC4E-C144-9E2A-DE6928941DE5}" type="datetimeFigureOut">
               <a:rPr lang="en-US" smtClean="0"/>
-              <a:t>5/23/23</a:t>
+              <a:t>11/1/23</a:t>
             </a:fld>
             <a:endParaRPr lang="en-US"/>
           </a:p>
@@ -2353,7 +2353,7 @@
           <a:p>
             <a:fld id="{84F06BC3-AC4E-C144-9E2A-DE6928941DE5}" type="datetimeFigureOut">
               <a:rPr lang="en-US" smtClean="0"/>
-              <a:t>5/23/23</a:t>
+              <a:t>11/1/23</a:t>
             </a:fld>
             <a:endParaRPr lang="en-US"/>
           </a:p>
@@ -2566,7 +2566,7 @@
           <a:p>
             <a:fld id="{84F06BC3-AC4E-C144-9E2A-DE6928941DE5}" type="datetimeFigureOut">
               <a:rPr lang="en-US" smtClean="0"/>
-              <a:t>5/23/23</a:t>
+              <a:t>11/1/23</a:t>
             </a:fld>
             <a:endParaRPr lang="en-US"/>
           </a:p>
@@ -2973,10 +2973,10 @@
       </p:grpSpPr>
       <p:pic>
         <p:nvPicPr>
-          <p:cNvPr id="7" name="Picture 6" descr="A picture containing text, diagram, plan, line&#10;&#10;Description automatically generated">
+          <p:cNvPr id="3" name="Picture 2" descr="A graph of a graph of a number of numbers&#10;&#10;Description automatically generated with medium confidence">
             <a:extLst>
               <a:ext uri="{FF2B5EF4-FFF2-40B4-BE49-F238E27FC236}">
-                <a16:creationId xmlns:a16="http://schemas.microsoft.com/office/drawing/2014/main" id="{8EBD88D1-AE7B-1828-CAB0-DD3638F980BE}"/>
+                <a16:creationId xmlns:a16="http://schemas.microsoft.com/office/drawing/2014/main" id="{35FC1AB4-DA16-AD00-2F8E-27444AB6D052}"/>
               </a:ext>
             </a:extLst>
           </p:cNvPr>
@@ -2993,7 +2993,7 @@
         </p:blipFill>
         <p:spPr>
           <a:xfrm>
-            <a:off x="16619" y="0"/>
+            <a:off x="-2561" y="0"/>
             <a:ext cx="7725266" cy="10058400"/>
           </a:xfrm>
           <a:prstGeom prst="rect">

--- a/Figure4.pptx
+++ b/Figure4.pptx
@@ -243,7 +243,7 @@
           <a:p>
             <a:fld id="{84F06BC3-AC4E-C144-9E2A-DE6928941DE5}" type="datetimeFigureOut">
               <a:rPr lang="en-US" smtClean="0"/>
-              <a:t>11/1/23</a:t>
+              <a:t>12/15/23</a:t>
             </a:fld>
             <a:endParaRPr lang="en-US"/>
           </a:p>
@@ -413,7 +413,7 @@
           <a:p>
             <a:fld id="{84F06BC3-AC4E-C144-9E2A-DE6928941DE5}" type="datetimeFigureOut">
               <a:rPr lang="en-US" smtClean="0"/>
-              <a:t>11/1/23</a:t>
+              <a:t>12/15/23</a:t>
             </a:fld>
             <a:endParaRPr lang="en-US"/>
           </a:p>
@@ -593,7 +593,7 @@
           <a:p>
             <a:fld id="{84F06BC3-AC4E-C144-9E2A-DE6928941DE5}" type="datetimeFigureOut">
               <a:rPr lang="en-US" smtClean="0"/>
-              <a:t>11/1/23</a:t>
+              <a:t>12/15/23</a:t>
             </a:fld>
             <a:endParaRPr lang="en-US"/>
           </a:p>
@@ -763,7 +763,7 @@
           <a:p>
             <a:fld id="{84F06BC3-AC4E-C144-9E2A-DE6928941DE5}" type="datetimeFigureOut">
               <a:rPr lang="en-US" smtClean="0"/>
-              <a:t>11/1/23</a:t>
+              <a:t>12/15/23</a:t>
             </a:fld>
             <a:endParaRPr lang="en-US"/>
           </a:p>
@@ -1007,7 +1007,7 @@
           <a:p>
             <a:fld id="{84F06BC3-AC4E-C144-9E2A-DE6928941DE5}" type="datetimeFigureOut">
               <a:rPr lang="en-US" smtClean="0"/>
-              <a:t>11/1/23</a:t>
+              <a:t>12/15/23</a:t>
             </a:fld>
             <a:endParaRPr lang="en-US"/>
           </a:p>
@@ -1239,7 +1239,7 @@
           <a:p>
             <a:fld id="{84F06BC3-AC4E-C144-9E2A-DE6928941DE5}" type="datetimeFigureOut">
               <a:rPr lang="en-US" smtClean="0"/>
-              <a:t>11/1/23</a:t>
+              <a:t>12/15/23</a:t>
             </a:fld>
             <a:endParaRPr lang="en-US"/>
           </a:p>
@@ -1606,7 +1606,7 @@
           <a:p>
             <a:fld id="{84F06BC3-AC4E-C144-9E2A-DE6928941DE5}" type="datetimeFigureOut">
               <a:rPr lang="en-US" smtClean="0"/>
-              <a:t>11/1/23</a:t>
+              <a:t>12/15/23</a:t>
             </a:fld>
             <a:endParaRPr lang="en-US"/>
           </a:p>
@@ -1724,7 +1724,7 @@
           <a:p>
             <a:fld id="{84F06BC3-AC4E-C144-9E2A-DE6928941DE5}" type="datetimeFigureOut">
               <a:rPr lang="en-US" smtClean="0"/>
-              <a:t>11/1/23</a:t>
+              <a:t>12/15/23</a:t>
             </a:fld>
             <a:endParaRPr lang="en-US"/>
           </a:p>
@@ -1819,7 +1819,7 @@
           <a:p>
             <a:fld id="{84F06BC3-AC4E-C144-9E2A-DE6928941DE5}" type="datetimeFigureOut">
               <a:rPr lang="en-US" smtClean="0"/>
-              <a:t>11/1/23</a:t>
+              <a:t>12/15/23</a:t>
             </a:fld>
             <a:endParaRPr lang="en-US"/>
           </a:p>
@@ -2096,7 +2096,7 @@
           <a:p>
             <a:fld id="{84F06BC3-AC4E-C144-9E2A-DE6928941DE5}" type="datetimeFigureOut">
               <a:rPr lang="en-US" smtClean="0"/>
-              <a:t>11/1/23</a:t>
+              <a:t>12/15/23</a:t>
             </a:fld>
             <a:endParaRPr lang="en-US"/>
           </a:p>
@@ -2353,7 +2353,7 @@
           <a:p>
             <a:fld id="{84F06BC3-AC4E-C144-9E2A-DE6928941DE5}" type="datetimeFigureOut">
               <a:rPr lang="en-US" smtClean="0"/>
-              <a:t>11/1/23</a:t>
+              <a:t>12/15/23</a:t>
             </a:fld>
             <a:endParaRPr lang="en-US"/>
           </a:p>
@@ -2566,7 +2566,7 @@
           <a:p>
             <a:fld id="{84F06BC3-AC4E-C144-9E2A-DE6928941DE5}" type="datetimeFigureOut">
               <a:rPr lang="en-US" smtClean="0"/>
-              <a:t>11/1/23</a:t>
+              <a:t>12/15/23</a:t>
             </a:fld>
             <a:endParaRPr lang="en-US"/>
           </a:p>
@@ -2973,10 +2973,10 @@
       </p:grpSpPr>
       <p:pic>
         <p:nvPicPr>
-          <p:cNvPr id="3" name="Picture 2" descr="A graph of a graph of a number of numbers&#10;&#10;Description automatically generated with medium confidence">
+          <p:cNvPr id="4" name="Picture 3" descr="A collage of graphs&#10;&#10;Description automatically generated">
             <a:extLst>
               <a:ext uri="{FF2B5EF4-FFF2-40B4-BE49-F238E27FC236}">
-                <a16:creationId xmlns:a16="http://schemas.microsoft.com/office/drawing/2014/main" id="{35FC1AB4-DA16-AD00-2F8E-27444AB6D052}"/>
+                <a16:creationId xmlns:a16="http://schemas.microsoft.com/office/drawing/2014/main" id="{5BADE763-AA47-C8B8-88AA-CC3A17D7B1EE}"/>
               </a:ext>
             </a:extLst>
           </p:cNvPr>
@@ -2993,7 +2993,7 @@
         </p:blipFill>
         <p:spPr>
           <a:xfrm>
-            <a:off x="-2561" y="0"/>
+            <a:off x="25154" y="63705"/>
             <a:ext cx="7725266" cy="10058400"/>
           </a:xfrm>
           <a:prstGeom prst="rect">
@@ -3015,7 +3015,7 @@
         </p:nvSpPr>
         <p:spPr>
           <a:xfrm>
-            <a:off x="392714" y="100081"/>
+            <a:off x="25154" y="0"/>
             <a:ext cx="436338" cy="338554"/>
           </a:xfrm>
           <a:prstGeom prst="rect">
@@ -3053,7 +3053,7 @@
         </p:nvSpPr>
         <p:spPr>
           <a:xfrm>
-            <a:off x="2942809" y="100081"/>
+            <a:off x="2575249" y="0"/>
             <a:ext cx="436338" cy="338554"/>
           </a:xfrm>
           <a:prstGeom prst="rect">
@@ -3091,7 +3091,7 @@
         </p:nvSpPr>
         <p:spPr>
           <a:xfrm>
-            <a:off x="5492904" y="100081"/>
+            <a:off x="5125344" y="0"/>
             <a:ext cx="436338" cy="338554"/>
           </a:xfrm>
           <a:prstGeom prst="rect">
@@ -3129,7 +3129,7 @@
         </p:nvSpPr>
         <p:spPr>
           <a:xfrm>
-            <a:off x="392714" y="2629770"/>
+            <a:off x="25154" y="2529689"/>
             <a:ext cx="436338" cy="338554"/>
           </a:xfrm>
           <a:prstGeom prst="rect">
@@ -3167,7 +3167,7 @@
         </p:nvSpPr>
         <p:spPr>
           <a:xfrm>
-            <a:off x="2942809" y="2629770"/>
+            <a:off x="2575249" y="2529689"/>
             <a:ext cx="436338" cy="338554"/>
           </a:xfrm>
           <a:prstGeom prst="rect">
@@ -3205,7 +3205,7 @@
         </p:nvSpPr>
         <p:spPr>
           <a:xfrm>
-            <a:off x="5492904" y="2629770"/>
+            <a:off x="5125344" y="2529689"/>
             <a:ext cx="380232" cy="338554"/>
           </a:xfrm>
           <a:prstGeom prst="rect">
@@ -3243,7 +3243,7 @@
         </p:nvSpPr>
         <p:spPr>
           <a:xfrm>
-            <a:off x="392714" y="5098499"/>
+            <a:off x="25154" y="4998418"/>
             <a:ext cx="436338" cy="338554"/>
           </a:xfrm>
           <a:prstGeom prst="rect">
@@ -3281,7 +3281,7 @@
         </p:nvSpPr>
         <p:spPr>
           <a:xfrm>
-            <a:off x="2942809" y="5098499"/>
+            <a:off x="2575249" y="4998418"/>
             <a:ext cx="436338" cy="338554"/>
           </a:xfrm>
           <a:prstGeom prst="rect">
@@ -3319,7 +3319,7 @@
         </p:nvSpPr>
         <p:spPr>
           <a:xfrm>
-            <a:off x="5492904" y="5098499"/>
+            <a:off x="5125344" y="4998418"/>
             <a:ext cx="367408" cy="338554"/>
           </a:xfrm>
           <a:prstGeom prst="rect">
@@ -3371,7 +3371,7 @@
         </p:nvSpPr>
         <p:spPr>
           <a:xfrm>
-            <a:off x="392714" y="7610047"/>
+            <a:off x="25154" y="7509966"/>
             <a:ext cx="367408" cy="338554"/>
           </a:xfrm>
           <a:prstGeom prst="rect">
@@ -3409,7 +3409,7 @@
         </p:nvSpPr>
         <p:spPr>
           <a:xfrm>
-            <a:off x="2942809" y="7610047"/>
+            <a:off x="2575249" y="7509966"/>
             <a:ext cx="425116" cy="338554"/>
           </a:xfrm>
           <a:prstGeom prst="rect">
@@ -3447,7 +3447,7 @@
         </p:nvSpPr>
         <p:spPr>
           <a:xfrm>
-            <a:off x="5492904" y="7610047"/>
+            <a:off x="5125344" y="7509966"/>
             <a:ext cx="367408" cy="338554"/>
           </a:xfrm>
           <a:prstGeom prst="rect">

--- a/Figure4.pptx
+++ b/Figure4.pptx
@@ -2973,10 +2973,10 @@
       </p:grpSpPr>
       <p:pic>
         <p:nvPicPr>
-          <p:cNvPr id="4" name="Picture 3" descr="A collage of graphs&#10;&#10;Description automatically generated">
+          <p:cNvPr id="3" name="Picture 2" descr="A collage of graphs&#10;&#10;Description automatically generated">
             <a:extLst>
               <a:ext uri="{FF2B5EF4-FFF2-40B4-BE49-F238E27FC236}">
-                <a16:creationId xmlns:a16="http://schemas.microsoft.com/office/drawing/2014/main" id="{5BADE763-AA47-C8B8-88AA-CC3A17D7B1EE}"/>
+                <a16:creationId xmlns:a16="http://schemas.microsoft.com/office/drawing/2014/main" id="{76FFEC79-D114-A1D7-63A4-E6951E513E2A}"/>
               </a:ext>
             </a:extLst>
           </p:cNvPr>
@@ -2993,7 +2993,7 @@
         </p:blipFill>
         <p:spPr>
           <a:xfrm>
-            <a:off x="25154" y="63705"/>
+            <a:off x="16619" y="0"/>
             <a:ext cx="7725266" cy="10058400"/>
           </a:xfrm>
           <a:prstGeom prst="rect">

--- a/Figure4.pptx
+++ b/Figure4.pptx
@@ -3015,7 +3015,7 @@
         </p:nvSpPr>
         <p:spPr>
           <a:xfrm>
-            <a:off x="25154" y="0"/>
+            <a:off x="21181" y="-57674"/>
             <a:ext cx="436338" cy="338554"/>
           </a:xfrm>
           <a:prstGeom prst="rect">
@@ -3053,7 +3053,7 @@
         </p:nvSpPr>
         <p:spPr>
           <a:xfrm>
-            <a:off x="2575249" y="0"/>
+            <a:off x="2439086" y="-69549"/>
             <a:ext cx="436338" cy="338554"/>
           </a:xfrm>
           <a:prstGeom prst="rect">
@@ -3091,7 +3091,7 @@
         </p:nvSpPr>
         <p:spPr>
           <a:xfrm>
-            <a:off x="5125344" y="0"/>
+            <a:off x="5143561" y="-57674"/>
             <a:ext cx="436338" cy="338554"/>
           </a:xfrm>
           <a:prstGeom prst="rect">
@@ -3129,7 +3129,7 @@
         </p:nvSpPr>
         <p:spPr>
           <a:xfrm>
-            <a:off x="25154" y="2529689"/>
+            <a:off x="21181" y="2472015"/>
             <a:ext cx="436338" cy="338554"/>
           </a:xfrm>
           <a:prstGeom prst="rect">
@@ -3167,7 +3167,7 @@
         </p:nvSpPr>
         <p:spPr>
           <a:xfrm>
-            <a:off x="2575249" y="2529689"/>
+            <a:off x="2593465" y="2472015"/>
             <a:ext cx="436338" cy="338554"/>
           </a:xfrm>
           <a:prstGeom prst="rect">
@@ -3205,7 +3205,7 @@
         </p:nvSpPr>
         <p:spPr>
           <a:xfrm>
-            <a:off x="5125344" y="2529689"/>
+            <a:off x="5143561" y="2472015"/>
             <a:ext cx="380232" cy="338554"/>
           </a:xfrm>
           <a:prstGeom prst="rect">
@@ -3243,7 +3243,7 @@
         </p:nvSpPr>
         <p:spPr>
           <a:xfrm>
-            <a:off x="25154" y="4998418"/>
+            <a:off x="21181" y="4940744"/>
             <a:ext cx="436338" cy="338554"/>
           </a:xfrm>
           <a:prstGeom prst="rect">
@@ -3281,7 +3281,7 @@
         </p:nvSpPr>
         <p:spPr>
           <a:xfrm>
-            <a:off x="2575249" y="4998418"/>
+            <a:off x="2424327" y="4940744"/>
             <a:ext cx="436338" cy="338554"/>
           </a:xfrm>
           <a:prstGeom prst="rect">
@@ -3319,7 +3319,7 @@
         </p:nvSpPr>
         <p:spPr>
           <a:xfrm>
-            <a:off x="5125344" y="4998418"/>
+            <a:off x="4974422" y="4940744"/>
             <a:ext cx="367408" cy="338554"/>
           </a:xfrm>
           <a:prstGeom prst="rect">
@@ -3371,7 +3371,7 @@
         </p:nvSpPr>
         <p:spPr>
           <a:xfrm>
-            <a:off x="25154" y="7509966"/>
+            <a:off x="21181" y="7452292"/>
             <a:ext cx="367408" cy="338554"/>
           </a:xfrm>
           <a:prstGeom prst="rect">
@@ -3409,7 +3409,7 @@
         </p:nvSpPr>
         <p:spPr>
           <a:xfrm>
-            <a:off x="2575249" y="7509966"/>
+            <a:off x="2557838" y="7452292"/>
             <a:ext cx="425116" cy="338554"/>
           </a:xfrm>
           <a:prstGeom prst="rect">
@@ -3447,7 +3447,7 @@
         </p:nvSpPr>
         <p:spPr>
           <a:xfrm>
-            <a:off x="5125344" y="7509966"/>
+            <a:off x="5131684" y="7452292"/>
             <a:ext cx="367408" cy="338554"/>
           </a:xfrm>
           <a:prstGeom prst="rect">
